--- a/1_24_18_slides.pptx
+++ b/1_24_18_slides.pptx
@@ -13,9 +13,10 @@
     <p:sldId id="259" r:id="rId7"/>
     <p:sldId id="260" r:id="rId8"/>
     <p:sldId id="261" r:id="rId9"/>
-    <p:sldId id="262" r:id="rId10"/>
-    <p:sldId id="265" r:id="rId11"/>
-    <p:sldId id="266" r:id="rId12"/>
+    <p:sldId id="267" r:id="rId10"/>
+    <p:sldId id="262" r:id="rId11"/>
+    <p:sldId id="265" r:id="rId12"/>
+    <p:sldId id="266" r:id="rId13"/>
   </p:sldIdLst>
   <p:sldSz cx="9144000" cy="6858000" type="screen4x3"/>
   <p:notesSz cx="6858000" cy="9144000"/>
@@ -3165,7 +3166,7 @@
           <a:p>
             <a:r>
               <a:rPr lang="en-US" dirty="0" smtClean="0"/>
-              <a:t>1-25-18</a:t>
+              <a:t>1-25-16</a:t>
             </a:r>
           </a:p>
         </p:txBody>
@@ -3219,14 +3220,12 @@
         </p:nvSpPr>
         <p:spPr/>
         <p:txBody>
-          <a:bodyPr>
-            <a:normAutofit fontScale="90000"/>
-          </a:bodyPr>
+          <a:bodyPr/>
           <a:lstStyle/>
           <a:p>
             <a:r>
               <a:rPr lang="en-US" dirty="0" smtClean="0"/>
-              <a:t>Advanced tricks from senior members of the lab</a:t>
+              <a:t>Exercises!</a:t>
             </a:r>
             <a:endParaRPr lang="en-US" dirty="0"/>
           </a:p>
@@ -3234,7 +3233,7 @@
       </p:sp>
       <p:sp>
         <p:nvSpPr>
-          <p:cNvPr id="3" name="Content Placeholder 2"/>
+          <p:cNvPr id="4" name="Content Placeholder 3"/>
           <p:cNvSpPr>
             <a:spLocks noGrp="1"/>
           </p:cNvSpPr>
@@ -3247,14 +3246,24 @@
           <a:bodyPr/>
           <a:lstStyle/>
           <a:p>
-            <a:endParaRPr lang="en-US"/>
+            <a:r>
+              <a:rPr lang="en-US" dirty="0" smtClean="0">
+                <a:hlinkClick r:id="rId2"/>
+              </a:rPr>
+              <a:t>https://github.com/kjflynn/rmd_labmeeting</a:t>
+            </a:r>
+            <a:r>
+              <a:rPr lang="en-US" dirty="0" smtClean="0"/>
+              <a:t> </a:t>
+            </a:r>
+            <a:endParaRPr lang="en-US" dirty="0"/>
           </a:p>
         </p:txBody>
       </p:sp>
     </p:spTree>
     <p:extLst>
       <p:ext uri="{BB962C8B-B14F-4D97-AF65-F5344CB8AC3E}">
-        <p14:creationId xmlns:p14="http://schemas.microsoft.com/office/powerpoint/2010/main" val="157157019"/>
+        <p14:creationId xmlns:p14="http://schemas.microsoft.com/office/powerpoint/2010/main" val="2959672241"/>
       </p:ext>
     </p:extLst>
   </p:cSld>
@@ -3300,11 +3309,92 @@
         </p:nvSpPr>
         <p:spPr/>
         <p:txBody>
-          <a:bodyPr/>
-          <a:lstStyle/>
-          <a:p>
-            <a:r>
-              <a:rPr lang="en-US" smtClean="0"/>
+          <a:bodyPr>
+            <a:normAutofit fontScale="90000"/>
+          </a:bodyPr>
+          <a:lstStyle/>
+          <a:p>
+            <a:r>
+              <a:rPr lang="en-US" dirty="0" smtClean="0"/>
+              <a:t>Advanced tricks from senior members of the lab</a:t>
+            </a:r>
+            <a:endParaRPr lang="en-US" dirty="0"/>
+          </a:p>
+        </p:txBody>
+      </p:sp>
+      <p:sp>
+        <p:nvSpPr>
+          <p:cNvPr id="3" name="Content Placeholder 2"/>
+          <p:cNvSpPr>
+            <a:spLocks noGrp="1"/>
+          </p:cNvSpPr>
+          <p:nvPr>
+            <p:ph idx="1"/>
+          </p:nvPr>
+        </p:nvSpPr>
+        <p:spPr/>
+        <p:txBody>
+          <a:bodyPr/>
+          <a:lstStyle/>
+          <a:p>
+            <a:endParaRPr lang="en-US"/>
+          </a:p>
+        </p:txBody>
+      </p:sp>
+    </p:spTree>
+    <p:extLst>
+      <p:ext uri="{BB962C8B-B14F-4D97-AF65-F5344CB8AC3E}">
+        <p14:creationId xmlns:p14="http://schemas.microsoft.com/office/powerpoint/2010/main" val="157157019"/>
+      </p:ext>
+    </p:extLst>
+  </p:cSld>
+  <p:clrMapOvr>
+    <a:masterClrMapping/>
+  </p:clrMapOvr>
+  <p:timing>
+    <p:tnLst>
+      <p:par>
+        <p:cTn xmlns:p14="http://schemas.microsoft.com/office/powerpoint/2010/main" id="1" dur="indefinite" restart="never" nodeType="tmRoot"/>
+      </p:par>
+    </p:tnLst>
+  </p:timing>
+</p:sld>
+</file>
+
+<file path=ppt/slides/slide12.xml><?xml version="1.0" encoding="utf-8"?>
+<p:sld xmlns:a="http://schemas.openxmlformats.org/drawingml/2006/main" xmlns:r="http://schemas.openxmlformats.org/officeDocument/2006/relationships" xmlns:p="http://schemas.openxmlformats.org/presentationml/2006/main">
+  <p:cSld>
+    <p:spTree>
+      <p:nvGrpSpPr>
+        <p:cNvPr id="1" name=""/>
+        <p:cNvGrpSpPr/>
+        <p:nvPr/>
+      </p:nvGrpSpPr>
+      <p:grpSpPr>
+        <a:xfrm>
+          <a:off x="0" y="0"/>
+          <a:ext cx="0" cy="0"/>
+          <a:chOff x="0" y="0"/>
+          <a:chExt cx="0" cy="0"/>
+        </a:xfrm>
+      </p:grpSpPr>
+      <p:sp>
+        <p:nvSpPr>
+          <p:cNvPr id="2" name="Title 1"/>
+          <p:cNvSpPr>
+            <a:spLocks noGrp="1"/>
+          </p:cNvSpPr>
+          <p:nvPr>
+            <p:ph type="title"/>
+          </p:nvPr>
+        </p:nvSpPr>
+        <p:spPr/>
+        <p:txBody>
+          <a:bodyPr/>
+          <a:lstStyle/>
+          <a:p>
+            <a:r>
+              <a:rPr lang="en-US" dirty="0" smtClean="0"/>
               <a:t>Advanced exercise</a:t>
             </a:r>
             <a:endParaRPr lang="en-US" dirty="0"/>
@@ -3844,7 +3934,12 @@
             <p:ph type="title"/>
           </p:nvPr>
         </p:nvSpPr>
-        <p:spPr/>
+        <p:spPr>
+          <a:xfrm>
+            <a:off x="457200" y="78482"/>
+            <a:ext cx="8229600" cy="1143000"/>
+          </a:xfrm>
+        </p:spPr>
         <p:txBody>
           <a:bodyPr/>
           <a:lstStyle/>
@@ -3959,15 +4054,47 @@
             <p:ph idx="1"/>
           </p:nvPr>
         </p:nvSpPr>
-        <p:spPr/>
-        <p:txBody>
-          <a:bodyPr/>
-          <a:lstStyle/>
-          <a:p>
-            <a:endParaRPr lang="en-US" dirty="0"/>
-          </a:p>
-        </p:txBody>
-      </p:sp>
+        <p:spPr>
+          <a:xfrm>
+            <a:off x="457200" y="1600200"/>
+            <a:ext cx="8229600" cy="660849"/>
+          </a:xfrm>
+        </p:spPr>
+        <p:txBody>
+          <a:bodyPr/>
+          <a:lstStyle/>
+          <a:p>
+            <a:r>
+              <a:rPr lang="en-US" dirty="0" smtClean="0"/>
+              <a:t>Header (simple or complex)</a:t>
+            </a:r>
+          </a:p>
+        </p:txBody>
+      </p:sp>
+      <p:pic>
+        <p:nvPicPr>
+          <p:cNvPr id="4" name="Picture 3"/>
+          <p:cNvPicPr>
+            <a:picLocks noChangeAspect="1"/>
+          </p:cNvPicPr>
+          <p:nvPr/>
+        </p:nvPicPr>
+        <p:blipFill>
+          <a:blip r:embed="rId2"/>
+          <a:stretch>
+            <a:fillRect/>
+          </a:stretch>
+        </p:blipFill>
+        <p:spPr>
+          <a:xfrm>
+            <a:off x="2337984" y="2281697"/>
+            <a:ext cx="6803113" cy="4091061"/>
+          </a:xfrm>
+          <a:prstGeom prst="rect">
+            <a:avLst/>
+          </a:prstGeom>
+        </p:spPr>
+      </p:pic>
     </p:spTree>
     <p:extLst>
       <p:ext uri="{BB962C8B-B14F-4D97-AF65-F5344CB8AC3E}">
@@ -4101,11 +4228,7 @@
           <a:p>
             <a:r>
               <a:rPr lang="en-US" dirty="0" smtClean="0"/>
-              <a:t>Formatting stuff and </a:t>
-            </a:r>
-            <a:r>
-              <a:rPr lang="en-US" dirty="0" err="1" smtClean="0"/>
-              <a:t>cheatsheet</a:t>
+              <a:t>Text and formatting</a:t>
             </a:r>
             <a:endParaRPr lang="en-US" dirty="0"/>
           </a:p>
@@ -4123,10 +4246,80 @@
         </p:nvSpPr>
         <p:spPr/>
         <p:txBody>
-          <a:bodyPr/>
-          <a:lstStyle/>
-          <a:p>
-            <a:endParaRPr lang="en-US"/>
+          <a:bodyPr>
+            <a:normAutofit lnSpcReduction="10000"/>
+          </a:bodyPr>
+          <a:lstStyle/>
+          <a:p>
+            <a:r>
+              <a:rPr lang="en-US" dirty="0" smtClean="0"/>
+              <a:t>Headers, bullets, bold, italics</a:t>
+            </a:r>
+          </a:p>
+          <a:p>
+            <a:pPr lvl="1"/>
+            <a:r>
+              <a:rPr lang="en-US" dirty="0" smtClean="0"/>
+              <a:t># Header</a:t>
+            </a:r>
+          </a:p>
+          <a:p>
+            <a:pPr lvl="2"/>
+            <a:r>
+              <a:rPr lang="en-US" dirty="0" smtClean="0"/>
+              <a:t>## smaller header</a:t>
+            </a:r>
+          </a:p>
+          <a:p>
+            <a:pPr lvl="1"/>
+            <a:r>
+              <a:rPr lang="en-US" dirty="0" smtClean="0"/>
+              <a:t>* bullet</a:t>
+            </a:r>
+          </a:p>
+          <a:p>
+            <a:pPr lvl="2"/>
+            <a:r>
+              <a:rPr lang="en-US" dirty="0" smtClean="0"/>
+              <a:t>+ sub bullet</a:t>
+            </a:r>
+          </a:p>
+          <a:p>
+            <a:pPr lvl="1"/>
+            <a:r>
+              <a:rPr lang="en-US" dirty="0" smtClean="0"/>
+              <a:t>**bold**, _italic_</a:t>
+            </a:r>
+          </a:p>
+          <a:p>
+            <a:r>
+              <a:rPr lang="en-US" dirty="0" smtClean="0"/>
+              <a:t>Inline values </a:t>
+            </a:r>
+          </a:p>
+          <a:p>
+            <a:pPr lvl="1"/>
+            <a:r>
+              <a:rPr lang="en-US" dirty="0" smtClean="0"/>
+              <a:t>“There were `r length(thing)` things in the room”</a:t>
+            </a:r>
+          </a:p>
+          <a:p>
+            <a:pPr lvl="1"/>
+            <a:r>
+              <a:rPr lang="en-US" dirty="0" smtClean="0"/>
+              <a:t>“There were 8 things in the room”</a:t>
+            </a:r>
+          </a:p>
+          <a:p>
+            <a:pPr marL="457200" lvl="1" indent="0">
+              <a:buNone/>
+            </a:pPr>
+            <a:endParaRPr lang="en-US" dirty="0" smtClean="0"/>
+          </a:p>
+          <a:p>
+            <a:pPr lvl="1"/>
+            <a:endParaRPr lang="en-US" dirty="0"/>
           </a:p>
         </p:txBody>
       </p:sp>
@@ -4184,7 +4377,7 @@
           <a:p>
             <a:r>
               <a:rPr lang="en-US" dirty="0" smtClean="0"/>
-              <a:t>Exercises!</a:t>
+              <a:t>Demo a basic RMD</a:t>
             </a:r>
             <a:endParaRPr lang="en-US" dirty="0"/>
           </a:p>
@@ -4192,7 +4385,7 @@
       </p:sp>
       <p:sp>
         <p:nvSpPr>
-          <p:cNvPr id="4" name="Content Placeholder 3"/>
+          <p:cNvPr id="3" name="Content Placeholder 2"/>
           <p:cNvSpPr>
             <a:spLocks noGrp="1"/>
           </p:cNvSpPr>
@@ -4212,7 +4405,7 @@
     </p:spTree>
     <p:extLst>
       <p:ext uri="{BB962C8B-B14F-4D97-AF65-F5344CB8AC3E}">
-        <p14:creationId xmlns:p14="http://schemas.microsoft.com/office/powerpoint/2010/main" val="2959672241"/>
+        <p14:creationId xmlns:p14="http://schemas.microsoft.com/office/powerpoint/2010/main" val="220068401"/>
       </p:ext>
     </p:extLst>
   </p:cSld>

--- a/1_24_18_slides.pptx
+++ b/1_24_18_slides.pptx
@@ -12,11 +12,12 @@
     <p:sldId id="257" r:id="rId6"/>
     <p:sldId id="259" r:id="rId7"/>
     <p:sldId id="260" r:id="rId8"/>
-    <p:sldId id="261" r:id="rId9"/>
-    <p:sldId id="267" r:id="rId10"/>
-    <p:sldId id="262" r:id="rId11"/>
-    <p:sldId id="265" r:id="rId12"/>
-    <p:sldId id="266" r:id="rId13"/>
+    <p:sldId id="268" r:id="rId9"/>
+    <p:sldId id="261" r:id="rId10"/>
+    <p:sldId id="267" r:id="rId11"/>
+    <p:sldId id="262" r:id="rId12"/>
+    <p:sldId id="265" r:id="rId13"/>
+    <p:sldId id="266" r:id="rId14"/>
   </p:sldIdLst>
   <p:sldSz cx="9144000" cy="6858000" type="screen4x3"/>
   <p:notesSz cx="6858000" cy="9144000"/>
@@ -3225,7 +3226,7 @@
           <a:p>
             <a:r>
               <a:rPr lang="en-US" dirty="0" smtClean="0"/>
-              <a:t>Exercises!</a:t>
+              <a:t>Demo a basic RMD</a:t>
             </a:r>
             <a:endParaRPr lang="en-US" dirty="0"/>
           </a:p>
@@ -3233,7 +3234,7 @@
       </p:sp>
       <p:sp>
         <p:nvSpPr>
-          <p:cNvPr id="4" name="Content Placeholder 3"/>
+          <p:cNvPr id="3" name="Content Placeholder 2"/>
           <p:cNvSpPr>
             <a:spLocks noGrp="1"/>
           </p:cNvSpPr>
@@ -3246,24 +3247,14 @@
           <a:bodyPr/>
           <a:lstStyle/>
           <a:p>
-            <a:r>
-              <a:rPr lang="en-US" dirty="0" smtClean="0">
-                <a:hlinkClick r:id="rId2"/>
-              </a:rPr>
-              <a:t>https://github.com/kjflynn/rmd_labmeeting</a:t>
-            </a:r>
-            <a:r>
-              <a:rPr lang="en-US" dirty="0" smtClean="0"/>
-              <a:t> </a:t>
-            </a:r>
-            <a:endParaRPr lang="en-US" dirty="0"/>
+            <a:endParaRPr lang="en-US"/>
           </a:p>
         </p:txBody>
       </p:sp>
     </p:spTree>
     <p:extLst>
       <p:ext uri="{BB962C8B-B14F-4D97-AF65-F5344CB8AC3E}">
-        <p14:creationId xmlns:p14="http://schemas.microsoft.com/office/powerpoint/2010/main" val="2959672241"/>
+        <p14:creationId xmlns:p14="http://schemas.microsoft.com/office/powerpoint/2010/main" val="220068401"/>
       </p:ext>
     </p:extLst>
   </p:cSld>
@@ -3309,14 +3300,12 @@
         </p:nvSpPr>
         <p:spPr/>
         <p:txBody>
-          <a:bodyPr>
-            <a:normAutofit fontScale="90000"/>
-          </a:bodyPr>
+          <a:bodyPr/>
           <a:lstStyle/>
           <a:p>
             <a:r>
               <a:rPr lang="en-US" dirty="0" smtClean="0"/>
-              <a:t>Advanced tricks from senior members of the lab</a:t>
+              <a:t>Exercises!</a:t>
             </a:r>
             <a:endParaRPr lang="en-US" dirty="0"/>
           </a:p>
@@ -3324,7 +3313,7 @@
       </p:sp>
       <p:sp>
         <p:nvSpPr>
-          <p:cNvPr id="3" name="Content Placeholder 2"/>
+          <p:cNvPr id="4" name="Content Placeholder 3"/>
           <p:cNvSpPr>
             <a:spLocks noGrp="1"/>
           </p:cNvSpPr>
@@ -3337,14 +3326,35 @@
           <a:bodyPr/>
           <a:lstStyle/>
           <a:p>
-            <a:endParaRPr lang="en-US"/>
+            <a:r>
+              <a:rPr lang="en-US" dirty="0" smtClean="0">
+                <a:hlinkClick r:id="rId2"/>
+              </a:rPr>
+              <a:t>https://github.com/kjflynn/rmd_labmeeting</a:t>
+            </a:r>
+            <a:r>
+              <a:rPr lang="en-US" dirty="0" smtClean="0"/>
+              <a:t> </a:t>
+            </a:r>
+          </a:p>
+          <a:p>
+            <a:pPr marL="0" indent="0">
+              <a:buNone/>
+            </a:pPr>
+            <a:endParaRPr lang="en-US" dirty="0"/>
+          </a:p>
+          <a:p>
+            <a:pPr marL="0" indent="0">
+              <a:buNone/>
+            </a:pPr>
+            <a:endParaRPr lang="en-US" dirty="0"/>
           </a:p>
         </p:txBody>
       </p:sp>
     </p:spTree>
     <p:extLst>
       <p:ext uri="{BB962C8B-B14F-4D97-AF65-F5344CB8AC3E}">
-        <p14:creationId xmlns:p14="http://schemas.microsoft.com/office/powerpoint/2010/main" val="157157019"/>
+        <p14:creationId xmlns:p14="http://schemas.microsoft.com/office/powerpoint/2010/main" val="2959672241"/>
       </p:ext>
     </p:extLst>
   </p:cSld>
@@ -3390,6 +3400,91 @@
         </p:nvSpPr>
         <p:spPr/>
         <p:txBody>
+          <a:bodyPr>
+            <a:normAutofit fontScale="90000"/>
+          </a:bodyPr>
+          <a:lstStyle/>
+          <a:p>
+            <a:r>
+              <a:rPr lang="en-US" dirty="0" smtClean="0"/>
+              <a:t>Advanced tricks from senior members of the lab</a:t>
+            </a:r>
+            <a:endParaRPr lang="en-US" dirty="0"/>
+          </a:p>
+        </p:txBody>
+      </p:sp>
+      <p:sp>
+        <p:nvSpPr>
+          <p:cNvPr id="3" name="Content Placeholder 2"/>
+          <p:cNvSpPr>
+            <a:spLocks noGrp="1"/>
+          </p:cNvSpPr>
+          <p:nvPr>
+            <p:ph idx="1"/>
+          </p:nvPr>
+        </p:nvSpPr>
+        <p:spPr/>
+        <p:txBody>
+          <a:bodyPr/>
+          <a:lstStyle/>
+          <a:p>
+            <a:r>
+              <a:rPr lang="en-US" dirty="0" smtClean="0"/>
+              <a:t>Anyone?</a:t>
+            </a:r>
+            <a:endParaRPr lang="en-US" dirty="0"/>
+          </a:p>
+        </p:txBody>
+      </p:sp>
+    </p:spTree>
+    <p:extLst>
+      <p:ext uri="{BB962C8B-B14F-4D97-AF65-F5344CB8AC3E}">
+        <p14:creationId xmlns:p14="http://schemas.microsoft.com/office/powerpoint/2010/main" val="157157019"/>
+      </p:ext>
+    </p:extLst>
+  </p:cSld>
+  <p:clrMapOvr>
+    <a:masterClrMapping/>
+  </p:clrMapOvr>
+  <p:timing>
+    <p:tnLst>
+      <p:par>
+        <p:cTn xmlns:p14="http://schemas.microsoft.com/office/powerpoint/2010/main" id="1" dur="indefinite" restart="never" nodeType="tmRoot"/>
+      </p:par>
+    </p:tnLst>
+  </p:timing>
+</p:sld>
+</file>
+
+<file path=ppt/slides/slide13.xml><?xml version="1.0" encoding="utf-8"?>
+<p:sld xmlns:a="http://schemas.openxmlformats.org/drawingml/2006/main" xmlns:r="http://schemas.openxmlformats.org/officeDocument/2006/relationships" xmlns:p="http://schemas.openxmlformats.org/presentationml/2006/main">
+  <p:cSld>
+    <p:spTree>
+      <p:nvGrpSpPr>
+        <p:cNvPr id="1" name=""/>
+        <p:cNvGrpSpPr/>
+        <p:nvPr/>
+      </p:nvGrpSpPr>
+      <p:grpSpPr>
+        <a:xfrm>
+          <a:off x="0" y="0"/>
+          <a:ext cx="0" cy="0"/>
+          <a:chOff x="0" y="0"/>
+          <a:chExt cx="0" cy="0"/>
+        </a:xfrm>
+      </p:grpSpPr>
+      <p:sp>
+        <p:nvSpPr>
+          <p:cNvPr id="2" name="Title 1"/>
+          <p:cNvSpPr>
+            <a:spLocks noGrp="1"/>
+          </p:cNvSpPr>
+          <p:nvPr>
+            <p:ph type="title"/>
+          </p:nvPr>
+        </p:nvSpPr>
+        <p:spPr/>
+        <p:txBody>
           <a:bodyPr/>
           <a:lstStyle/>
           <a:p>
@@ -3429,7 +3524,35 @@
           <a:p>
             <a:r>
               <a:rPr lang="en-US" dirty="0" smtClean="0"/>
-              <a:t>Cite these papers:</a:t>
+              <a:t>Cite a paper about diamonds</a:t>
+            </a:r>
+          </a:p>
+          <a:p>
+            <a:r>
+              <a:rPr lang="en-US" dirty="0" smtClean="0"/>
+              <a:t>Create a file called </a:t>
+            </a:r>
+            <a:r>
+              <a:rPr lang="en-US" dirty="0" err="1" smtClean="0"/>
+              <a:t>references.bib</a:t>
+            </a:r>
+            <a:r>
+              <a:rPr lang="en-US" dirty="0" smtClean="0"/>
+              <a:t> in the repo</a:t>
+            </a:r>
+          </a:p>
+          <a:p>
+            <a:r>
+              <a:rPr lang="en-US" dirty="0" smtClean="0"/>
+              <a:t>Put the </a:t>
+            </a:r>
+            <a:r>
+              <a:rPr lang="en-US" dirty="0" err="1" smtClean="0"/>
+              <a:t>bibtex</a:t>
+            </a:r>
+            <a:r>
+              <a:rPr lang="en-US" dirty="0" smtClean="0"/>
+              <a:t> citation in there</a:t>
             </a:r>
           </a:p>
           <a:p>
@@ -3440,6 +3563,12 @@
               <a:t>https://www.doi2bib.org/</a:t>
             </a:r>
             <a:endParaRPr lang="en-US" dirty="0" smtClean="0"/>
+          </a:p>
+          <a:p>
+            <a:r>
+              <a:rPr lang="en-US" dirty="0" smtClean="0"/>
+              <a:t>Reference in the text using [@paper]</a:t>
+            </a:r>
           </a:p>
           <a:p>
             <a:endParaRPr lang="en-US" dirty="0" smtClean="0"/>
@@ -3635,9 +3764,80 @@
   <p:timing>
     <p:tnLst>
       <p:par>
-        <p:cTn xmlns:p14="http://schemas.microsoft.com/office/powerpoint/2010/main" id="1" dur="indefinite" restart="never" nodeType="tmRoot"/>
+        <p:cTn xmlns:p14="http://schemas.microsoft.com/office/powerpoint/2010/main" id="1" dur="indefinite" restart="never" nodeType="tmRoot">
+          <p:childTnLst>
+            <p:seq concurrent="1" nextAc="seek">
+              <p:cTn id="2" dur="indefinite" nodeType="mainSeq">
+                <p:childTnLst>
+                  <p:par>
+                    <p:cTn id="3" fill="hold">
+                      <p:stCondLst>
+                        <p:cond delay="indefinite"/>
+                      </p:stCondLst>
+                      <p:childTnLst>
+                        <p:par>
+                          <p:cTn id="4" fill="hold">
+                            <p:stCondLst>
+                              <p:cond delay="0"/>
+                            </p:stCondLst>
+                            <p:childTnLst>
+                              <p:par>
+                                <p:cTn id="5" presetID="1" presetClass="entr" presetSubtype="0" fill="hold" grpId="0" nodeType="clickEffect">
+                                  <p:stCondLst>
+                                    <p:cond delay="0"/>
+                                  </p:stCondLst>
+                                  <p:childTnLst>
+                                    <p:set>
+                                      <p:cBhvr>
+                                        <p:cTn id="6" dur="1" fill="hold">
+                                          <p:stCondLst>
+                                            <p:cond delay="0"/>
+                                          </p:stCondLst>
+                                        </p:cTn>
+                                        <p:tgtEl>
+                                          <p:spTgt spid="7"/>
+                                        </p:tgtEl>
+                                        <p:attrNameLst>
+                                          <p:attrName>style.visibility</p:attrName>
+                                        </p:attrNameLst>
+                                      </p:cBhvr>
+                                      <p:to>
+                                        <p:strVal val="visible"/>
+                                      </p:to>
+                                    </p:set>
+                                  </p:childTnLst>
+                                </p:cTn>
+                              </p:par>
+                            </p:childTnLst>
+                          </p:cTn>
+                        </p:par>
+                      </p:childTnLst>
+                    </p:cTn>
+                  </p:par>
+                </p:childTnLst>
+              </p:cTn>
+              <p:prevCondLst>
+                <p:cond evt="onPrev" delay="0">
+                  <p:tgtEl>
+                    <p:sldTgt/>
+                  </p:tgtEl>
+                </p:cond>
+              </p:prevCondLst>
+              <p:nextCondLst>
+                <p:cond evt="onNext" delay="0">
+                  <p:tgtEl>
+                    <p:sldTgt/>
+                  </p:tgtEl>
+                </p:cond>
+              </p:nextCondLst>
+            </p:seq>
+          </p:childTnLst>
+        </p:cTn>
       </p:par>
     </p:tnLst>
+    <p:bldLst>
+      <p:bldP spid="7" grpId="0"/>
+    </p:bldLst>
   </p:timing>
 </p:sld>
 </file>
@@ -3839,9 +4039,80 @@
   <p:timing>
     <p:tnLst>
       <p:par>
-        <p:cTn xmlns:p14="http://schemas.microsoft.com/office/powerpoint/2010/main" id="1" dur="indefinite" restart="never" nodeType="tmRoot"/>
+        <p:cTn xmlns:p14="http://schemas.microsoft.com/office/powerpoint/2010/main" id="1" dur="indefinite" restart="never" nodeType="tmRoot">
+          <p:childTnLst>
+            <p:seq concurrent="1" nextAc="seek">
+              <p:cTn id="2" dur="indefinite" nodeType="mainSeq">
+                <p:childTnLst>
+                  <p:par>
+                    <p:cTn id="3" fill="hold">
+                      <p:stCondLst>
+                        <p:cond delay="indefinite"/>
+                      </p:stCondLst>
+                      <p:childTnLst>
+                        <p:par>
+                          <p:cTn id="4" fill="hold">
+                            <p:stCondLst>
+                              <p:cond delay="0"/>
+                            </p:stCondLst>
+                            <p:childTnLst>
+                              <p:par>
+                                <p:cTn id="5" presetID="1" presetClass="entr" presetSubtype="0" fill="hold" grpId="0" nodeType="clickEffect">
+                                  <p:stCondLst>
+                                    <p:cond delay="0"/>
+                                  </p:stCondLst>
+                                  <p:childTnLst>
+                                    <p:set>
+                                      <p:cBhvr>
+                                        <p:cTn id="6" dur="1" fill="hold">
+                                          <p:stCondLst>
+                                            <p:cond delay="0"/>
+                                          </p:stCondLst>
+                                        </p:cTn>
+                                        <p:tgtEl>
+                                          <p:spTgt spid="9"/>
+                                        </p:tgtEl>
+                                        <p:attrNameLst>
+                                          <p:attrName>style.visibility</p:attrName>
+                                        </p:attrNameLst>
+                                      </p:cBhvr>
+                                      <p:to>
+                                        <p:strVal val="visible"/>
+                                      </p:to>
+                                    </p:set>
+                                  </p:childTnLst>
+                                </p:cTn>
+                              </p:par>
+                            </p:childTnLst>
+                          </p:cTn>
+                        </p:par>
+                      </p:childTnLst>
+                    </p:cTn>
+                  </p:par>
+                </p:childTnLst>
+              </p:cTn>
+              <p:prevCondLst>
+                <p:cond evt="onPrev" delay="0">
+                  <p:tgtEl>
+                    <p:sldTgt/>
+                  </p:tgtEl>
+                </p:cond>
+              </p:prevCondLst>
+              <p:nextCondLst>
+                <p:cond evt="onNext" delay="0">
+                  <p:tgtEl>
+                    <p:sldTgt/>
+                  </p:tgtEl>
+                </p:cond>
+              </p:nextCondLst>
+            </p:seq>
+          </p:childTnLst>
+        </p:cTn>
       </p:par>
     </p:tnLst>
+    <p:bldLst>
+      <p:bldP spid="9" grpId="0"/>
+    </p:bldLst>
   </p:timing>
 </p:sld>
 </file>
@@ -4040,34 +4311,11 @@
               <a:rPr lang="en-US" dirty="0" err="1" smtClean="0"/>
               <a:t>Rmd</a:t>
             </a:r>
+            <a:r>
+              <a:rPr lang="en-US" dirty="0" smtClean="0"/>
+              <a:t>- Header</a:t>
+            </a:r>
             <a:endParaRPr lang="en-US" dirty="0"/>
-          </a:p>
-        </p:txBody>
-      </p:sp>
-      <p:sp>
-        <p:nvSpPr>
-          <p:cNvPr id="3" name="Content Placeholder 2"/>
-          <p:cNvSpPr>
-            <a:spLocks noGrp="1"/>
-          </p:cNvSpPr>
-          <p:nvPr>
-            <p:ph idx="1"/>
-          </p:nvPr>
-        </p:nvSpPr>
-        <p:spPr>
-          <a:xfrm>
-            <a:off x="457200" y="1600200"/>
-            <a:ext cx="8229600" cy="660849"/>
-          </a:xfrm>
-        </p:spPr>
-        <p:txBody>
-          <a:bodyPr/>
-          <a:lstStyle/>
-          <a:p>
-            <a:r>
-              <a:rPr lang="en-US" dirty="0" smtClean="0"/>
-              <a:t>Header (simple or complex)</a:t>
-            </a:r>
           </a:p>
         </p:txBody>
       </p:sp>
@@ -4095,6 +4343,30 @@
           </a:prstGeom>
         </p:spPr>
       </p:pic>
+      <p:pic>
+        <p:nvPicPr>
+          <p:cNvPr id="5" name="Picture 4"/>
+          <p:cNvPicPr>
+            <a:picLocks noChangeAspect="1"/>
+          </p:cNvPicPr>
+          <p:nvPr/>
+        </p:nvPicPr>
+        <p:blipFill>
+          <a:blip r:embed="rId3"/>
+          <a:stretch>
+            <a:fillRect/>
+          </a:stretch>
+        </p:blipFill>
+        <p:spPr>
+          <a:xfrm>
+            <a:off x="64684" y="1306461"/>
+            <a:ext cx="4546600" cy="1168400"/>
+          </a:xfrm>
+          <a:prstGeom prst="rect">
+            <a:avLst/>
+          </a:prstGeom>
+        </p:spPr>
+      </p:pic>
     </p:spTree>
     <p:extLst>
       <p:ext uri="{BB962C8B-B14F-4D97-AF65-F5344CB8AC3E}">
@@ -4108,7 +4380,75 @@
   <p:timing>
     <p:tnLst>
       <p:par>
-        <p:cTn xmlns:p14="http://schemas.microsoft.com/office/powerpoint/2010/main" id="1" dur="indefinite" restart="never" nodeType="tmRoot"/>
+        <p:cTn xmlns:p14="http://schemas.microsoft.com/office/powerpoint/2010/main" id="1" dur="indefinite" restart="never" nodeType="tmRoot">
+          <p:childTnLst>
+            <p:seq concurrent="1" nextAc="seek">
+              <p:cTn id="2" dur="indefinite" nodeType="mainSeq">
+                <p:childTnLst>
+                  <p:par>
+                    <p:cTn id="3" fill="hold">
+                      <p:stCondLst>
+                        <p:cond delay="indefinite"/>
+                      </p:stCondLst>
+                      <p:childTnLst>
+                        <p:par>
+                          <p:cTn id="4" fill="hold">
+                            <p:stCondLst>
+                              <p:cond delay="0"/>
+                            </p:stCondLst>
+                            <p:childTnLst>
+                              <p:par>
+                                <p:cTn id="5" presetID="1" presetClass="entr" presetSubtype="0" fill="hold" nodeType="clickEffect">
+                                  <p:stCondLst>
+                                    <p:cond delay="0"/>
+                                  </p:stCondLst>
+                                  <p:childTnLst>
+                                    <p:set>
+                                      <p:cBhvr>
+                                        <p:cTn id="6" dur="1" fill="hold">
+                                          <p:stCondLst>
+                                            <p:cond delay="0"/>
+                                          </p:stCondLst>
+                                        </p:cTn>
+                                        <p:tgtEl>
+                                          <p:spTgt spid="4"/>
+                                        </p:tgtEl>
+                                        <p:attrNameLst>
+                                          <p:attrName>style.visibility</p:attrName>
+                                        </p:attrNameLst>
+                                      </p:cBhvr>
+                                      <p:to>
+                                        <p:strVal val="visible"/>
+                                      </p:to>
+                                    </p:set>
+                                  </p:childTnLst>
+                                </p:cTn>
+                              </p:par>
+                            </p:childTnLst>
+                          </p:cTn>
+                        </p:par>
+                      </p:childTnLst>
+                    </p:cTn>
+                  </p:par>
+                </p:childTnLst>
+              </p:cTn>
+              <p:prevCondLst>
+                <p:cond evt="onPrev" delay="0">
+                  <p:tgtEl>
+                    <p:sldTgt/>
+                  </p:tgtEl>
+                </p:cond>
+              </p:prevCondLst>
+              <p:nextCondLst>
+                <p:cond evt="onNext" delay="0">
+                  <p:tgtEl>
+                    <p:sldTgt/>
+                  </p:tgtEl>
+                </p:cond>
+              </p:nextCondLst>
+            </p:seq>
+          </p:childTnLst>
+        </p:cTn>
       </p:par>
     </p:tnLst>
   </p:timing>
@@ -4155,25 +4495,30 @@
           </a:p>
         </p:txBody>
       </p:sp>
-      <p:sp>
-        <p:nvSpPr>
-          <p:cNvPr id="3" name="Content Placeholder 2"/>
-          <p:cNvSpPr>
-            <a:spLocks noGrp="1"/>
-          </p:cNvSpPr>
-          <p:nvPr>
-            <p:ph idx="1"/>
-          </p:nvPr>
-        </p:nvSpPr>
-        <p:spPr/>
-        <p:txBody>
-          <a:bodyPr/>
-          <a:lstStyle/>
-          <a:p>
-            <a:endParaRPr lang="en-US"/>
-          </a:p>
-        </p:txBody>
-      </p:sp>
+      <p:pic>
+        <p:nvPicPr>
+          <p:cNvPr id="5" name="Picture 4"/>
+          <p:cNvPicPr>
+            <a:picLocks noChangeAspect="1"/>
+          </p:cNvPicPr>
+          <p:nvPr/>
+        </p:nvPicPr>
+        <p:blipFill>
+          <a:blip r:embed="rId2"/>
+          <a:stretch>
+            <a:fillRect/>
+          </a:stretch>
+        </p:blipFill>
+        <p:spPr>
+          <a:xfrm>
+            <a:off x="304800" y="2184400"/>
+            <a:ext cx="8534400" cy="2489200"/>
+          </a:xfrm>
+          <a:prstGeom prst="rect">
+            <a:avLst/>
+          </a:prstGeom>
+        </p:spPr>
+      </p:pic>
     </p:spTree>
     <p:extLst>
       <p:ext uri="{BB962C8B-B14F-4D97-AF65-F5344CB8AC3E}">
@@ -4228,7 +4573,7 @@
           <a:p>
             <a:r>
               <a:rPr lang="en-US" dirty="0" smtClean="0"/>
-              <a:t>Text and formatting</a:t>
+              <a:t>Chunk parameters</a:t>
             </a:r>
             <a:endParaRPr lang="en-US" dirty="0"/>
           </a:p>
@@ -4246,79 +4591,52 @@
         </p:nvSpPr>
         <p:spPr/>
         <p:txBody>
-          <a:bodyPr>
-            <a:normAutofit lnSpcReduction="10000"/>
-          </a:bodyPr>
+          <a:bodyPr/>
           <a:lstStyle/>
           <a:p>
             <a:r>
               <a:rPr lang="en-US" dirty="0" smtClean="0"/>
-              <a:t>Headers, bullets, bold, italics</a:t>
+              <a:t>There are tons</a:t>
             </a:r>
           </a:p>
           <a:p>
             <a:pPr lvl="1"/>
             <a:r>
               <a:rPr lang="en-US" dirty="0" smtClean="0"/>
-              <a:t># Header</a:t>
-            </a:r>
-          </a:p>
-          <a:p>
-            <a:pPr lvl="2"/>
+              <a:t>Code evaluation</a:t>
+            </a:r>
+          </a:p>
+          <a:p>
+            <a:pPr lvl="1"/>
             <a:r>
               <a:rPr lang="en-US" dirty="0" smtClean="0"/>
-              <a:t>## smaller header</a:t>
+              <a:t>Results</a:t>
             </a:r>
           </a:p>
           <a:p>
             <a:pPr lvl="1"/>
             <a:r>
               <a:rPr lang="en-US" dirty="0" smtClean="0"/>
-              <a:t>* bullet</a:t>
-            </a:r>
-          </a:p>
-          <a:p>
-            <a:pPr lvl="2"/>
-            <a:r>
-              <a:rPr lang="en-US" dirty="0" smtClean="0"/>
-              <a:t>+ sub bullet</a:t>
-            </a:r>
-          </a:p>
-          <a:p>
-            <a:pPr lvl="1"/>
-            <a:r>
-              <a:rPr lang="en-US" dirty="0" smtClean="0"/>
-              <a:t>**bold**, _italic_</a:t>
-            </a:r>
-          </a:p>
-          <a:p>
-            <a:r>
-              <a:rPr lang="en-US" dirty="0" smtClean="0"/>
-              <a:t>Inline values </a:t>
-            </a:r>
-          </a:p>
-          <a:p>
-            <a:pPr lvl="1"/>
-            <a:r>
-              <a:rPr lang="en-US" dirty="0" smtClean="0"/>
-              <a:t>“There were `r length(thing)` things in the room”</a:t>
-            </a:r>
-          </a:p>
-          <a:p>
-            <a:pPr lvl="1"/>
-            <a:r>
-              <a:rPr lang="en-US" dirty="0" smtClean="0"/>
-              <a:t>“There were 8 things in the room”</a:t>
-            </a:r>
+              <a:t>Plots</a:t>
+            </a:r>
+            <a:endParaRPr lang="en-US" dirty="0"/>
           </a:p>
           <a:p>
             <a:pPr marL="457200" lvl="1" indent="0">
               <a:buNone/>
             </a:pPr>
+            <a:r>
+              <a:rPr lang="en-US" dirty="0" smtClean="0">
+                <a:hlinkClick r:id="rId2"/>
+              </a:rPr>
+              <a:t>https://www.rstudio.com/wp-content/uploads/2015/03/rmarkdown-reference.pdf</a:t>
+            </a:r>
             <a:endParaRPr lang="en-US" dirty="0" smtClean="0"/>
           </a:p>
           <a:p>
-            <a:pPr lvl="1"/>
+            <a:pPr marL="457200" lvl="1" indent="0">
+              <a:buNone/>
+            </a:pPr>
             <a:endParaRPr lang="en-US" dirty="0"/>
           </a:p>
         </p:txBody>
@@ -4326,7 +4644,7 @@
     </p:spTree>
     <p:extLst>
       <p:ext uri="{BB962C8B-B14F-4D97-AF65-F5344CB8AC3E}">
-        <p14:creationId xmlns:p14="http://schemas.microsoft.com/office/powerpoint/2010/main" val="1007564610"/>
+        <p14:creationId xmlns:p14="http://schemas.microsoft.com/office/powerpoint/2010/main" val="385280710"/>
       </p:ext>
     </p:extLst>
   </p:cSld>
@@ -4377,7 +4695,7 @@
           <a:p>
             <a:r>
               <a:rPr lang="en-US" dirty="0" smtClean="0"/>
-              <a:t>Demo a basic RMD</a:t>
+              <a:t>Text and formatting</a:t>
             </a:r>
             <a:endParaRPr lang="en-US" dirty="0"/>
           </a:p>
@@ -4395,17 +4713,87 @@
         </p:nvSpPr>
         <p:spPr/>
         <p:txBody>
-          <a:bodyPr/>
-          <a:lstStyle/>
-          <a:p>
-            <a:endParaRPr lang="en-US"/>
+          <a:bodyPr>
+            <a:normAutofit lnSpcReduction="10000"/>
+          </a:bodyPr>
+          <a:lstStyle/>
+          <a:p>
+            <a:r>
+              <a:rPr lang="en-US" dirty="0" smtClean="0"/>
+              <a:t>Headers, bullets, bold, italics</a:t>
+            </a:r>
+          </a:p>
+          <a:p>
+            <a:pPr lvl="1"/>
+            <a:r>
+              <a:rPr lang="en-US" dirty="0" smtClean="0"/>
+              <a:t># Header</a:t>
+            </a:r>
+          </a:p>
+          <a:p>
+            <a:pPr lvl="2"/>
+            <a:r>
+              <a:rPr lang="en-US" dirty="0" smtClean="0"/>
+              <a:t>## smaller header</a:t>
+            </a:r>
+          </a:p>
+          <a:p>
+            <a:pPr lvl="1"/>
+            <a:r>
+              <a:rPr lang="en-US" dirty="0" smtClean="0"/>
+              <a:t>* bullet</a:t>
+            </a:r>
+          </a:p>
+          <a:p>
+            <a:pPr lvl="2"/>
+            <a:r>
+              <a:rPr lang="en-US" dirty="0" smtClean="0"/>
+              <a:t>+ sub bullet</a:t>
+            </a:r>
+          </a:p>
+          <a:p>
+            <a:pPr lvl="1"/>
+            <a:r>
+              <a:rPr lang="en-US" dirty="0" smtClean="0"/>
+              <a:t>**bold**, _italic_</a:t>
+            </a:r>
+          </a:p>
+          <a:p>
+            <a:r>
+              <a:rPr lang="en-US" dirty="0" smtClean="0"/>
+              <a:t>Inline values </a:t>
+            </a:r>
+          </a:p>
+          <a:p>
+            <a:pPr lvl="1"/>
+            <a:r>
+              <a:rPr lang="en-US" dirty="0" smtClean="0"/>
+              <a:t>“There were `r length(thing)` things in the room”</a:t>
+            </a:r>
+          </a:p>
+          <a:p>
+            <a:pPr lvl="1"/>
+            <a:r>
+              <a:rPr lang="en-US" dirty="0" smtClean="0"/>
+              <a:t>“There were 8 things in the room”</a:t>
+            </a:r>
+          </a:p>
+          <a:p>
+            <a:pPr marL="457200" lvl="1" indent="0">
+              <a:buNone/>
+            </a:pPr>
+            <a:endParaRPr lang="en-US" dirty="0" smtClean="0"/>
+          </a:p>
+          <a:p>
+            <a:pPr lvl="1"/>
+            <a:endParaRPr lang="en-US" dirty="0"/>
           </a:p>
         </p:txBody>
       </p:sp>
     </p:spTree>
     <p:extLst>
       <p:ext uri="{BB962C8B-B14F-4D97-AF65-F5344CB8AC3E}">
-        <p14:creationId xmlns:p14="http://schemas.microsoft.com/office/powerpoint/2010/main" val="220068401"/>
+        <p14:creationId xmlns:p14="http://schemas.microsoft.com/office/powerpoint/2010/main" val="1007564610"/>
       </p:ext>
     </p:extLst>
   </p:cSld>
@@ -4415,9 +4803,350 @@
   <p:timing>
     <p:tnLst>
       <p:par>
-        <p:cTn xmlns:p14="http://schemas.microsoft.com/office/powerpoint/2010/main" id="1" dur="indefinite" restart="never" nodeType="tmRoot"/>
+        <p:cTn xmlns:p14="http://schemas.microsoft.com/office/powerpoint/2010/main" id="1" dur="indefinite" restart="never" nodeType="tmRoot">
+          <p:childTnLst>
+            <p:seq concurrent="1" nextAc="seek">
+              <p:cTn id="2" dur="indefinite" nodeType="mainSeq">
+                <p:childTnLst>
+                  <p:par>
+                    <p:cTn id="3" fill="hold">
+                      <p:stCondLst>
+                        <p:cond delay="indefinite"/>
+                      </p:stCondLst>
+                      <p:childTnLst>
+                        <p:par>
+                          <p:cTn id="4" fill="hold">
+                            <p:stCondLst>
+                              <p:cond delay="0"/>
+                            </p:stCondLst>
+                            <p:childTnLst>
+                              <p:par>
+                                <p:cTn id="5" presetID="1" presetClass="entr" presetSubtype="0" fill="hold" grpId="0" nodeType="clickEffect">
+                                  <p:stCondLst>
+                                    <p:cond delay="0"/>
+                                  </p:stCondLst>
+                                  <p:childTnLst>
+                                    <p:set>
+                                      <p:cBhvr>
+                                        <p:cTn id="6" dur="1" fill="hold">
+                                          <p:stCondLst>
+                                            <p:cond delay="0"/>
+                                          </p:stCondLst>
+                                        </p:cTn>
+                                        <p:tgtEl>
+                                          <p:spTgt spid="3">
+                                            <p:txEl>
+                                              <p:pRg st="0" end="0"/>
+                                            </p:txEl>
+                                          </p:spTgt>
+                                        </p:tgtEl>
+                                        <p:attrNameLst>
+                                          <p:attrName>style.visibility</p:attrName>
+                                        </p:attrNameLst>
+                                      </p:cBhvr>
+                                      <p:to>
+                                        <p:strVal val="visible"/>
+                                      </p:to>
+                                    </p:set>
+                                  </p:childTnLst>
+                                </p:cTn>
+                              </p:par>
+                              <p:par>
+                                <p:cTn id="7" presetID="1" presetClass="entr" presetSubtype="0" fill="hold" grpId="0" nodeType="withEffect">
+                                  <p:stCondLst>
+                                    <p:cond delay="0"/>
+                                  </p:stCondLst>
+                                  <p:childTnLst>
+                                    <p:set>
+                                      <p:cBhvr>
+                                        <p:cTn id="8" dur="1" fill="hold">
+                                          <p:stCondLst>
+                                            <p:cond delay="0"/>
+                                          </p:stCondLst>
+                                        </p:cTn>
+                                        <p:tgtEl>
+                                          <p:spTgt spid="3">
+                                            <p:txEl>
+                                              <p:pRg st="1" end="1"/>
+                                            </p:txEl>
+                                          </p:spTgt>
+                                        </p:tgtEl>
+                                        <p:attrNameLst>
+                                          <p:attrName>style.visibility</p:attrName>
+                                        </p:attrNameLst>
+                                      </p:cBhvr>
+                                      <p:to>
+                                        <p:strVal val="visible"/>
+                                      </p:to>
+                                    </p:set>
+                                  </p:childTnLst>
+                                </p:cTn>
+                              </p:par>
+                              <p:par>
+                                <p:cTn id="9" presetID="1" presetClass="entr" presetSubtype="0" fill="hold" grpId="0" nodeType="withEffect">
+                                  <p:stCondLst>
+                                    <p:cond delay="0"/>
+                                  </p:stCondLst>
+                                  <p:childTnLst>
+                                    <p:set>
+                                      <p:cBhvr>
+                                        <p:cTn id="10" dur="1" fill="hold">
+                                          <p:stCondLst>
+                                            <p:cond delay="0"/>
+                                          </p:stCondLst>
+                                        </p:cTn>
+                                        <p:tgtEl>
+                                          <p:spTgt spid="3">
+                                            <p:txEl>
+                                              <p:pRg st="2" end="2"/>
+                                            </p:txEl>
+                                          </p:spTgt>
+                                        </p:tgtEl>
+                                        <p:attrNameLst>
+                                          <p:attrName>style.visibility</p:attrName>
+                                        </p:attrNameLst>
+                                      </p:cBhvr>
+                                      <p:to>
+                                        <p:strVal val="visible"/>
+                                      </p:to>
+                                    </p:set>
+                                  </p:childTnLst>
+                                </p:cTn>
+                              </p:par>
+                              <p:par>
+                                <p:cTn id="11" presetID="1" presetClass="entr" presetSubtype="0" fill="hold" grpId="0" nodeType="withEffect">
+                                  <p:stCondLst>
+                                    <p:cond delay="0"/>
+                                  </p:stCondLst>
+                                  <p:childTnLst>
+                                    <p:set>
+                                      <p:cBhvr>
+                                        <p:cTn id="12" dur="1" fill="hold">
+                                          <p:stCondLst>
+                                            <p:cond delay="0"/>
+                                          </p:stCondLst>
+                                        </p:cTn>
+                                        <p:tgtEl>
+                                          <p:spTgt spid="3">
+                                            <p:txEl>
+                                              <p:pRg st="3" end="3"/>
+                                            </p:txEl>
+                                          </p:spTgt>
+                                        </p:tgtEl>
+                                        <p:attrNameLst>
+                                          <p:attrName>style.visibility</p:attrName>
+                                        </p:attrNameLst>
+                                      </p:cBhvr>
+                                      <p:to>
+                                        <p:strVal val="visible"/>
+                                      </p:to>
+                                    </p:set>
+                                  </p:childTnLst>
+                                </p:cTn>
+                              </p:par>
+                              <p:par>
+                                <p:cTn id="13" presetID="1" presetClass="entr" presetSubtype="0" fill="hold" grpId="0" nodeType="withEffect">
+                                  <p:stCondLst>
+                                    <p:cond delay="0"/>
+                                  </p:stCondLst>
+                                  <p:childTnLst>
+                                    <p:set>
+                                      <p:cBhvr>
+                                        <p:cTn id="14" dur="1" fill="hold">
+                                          <p:stCondLst>
+                                            <p:cond delay="0"/>
+                                          </p:stCondLst>
+                                        </p:cTn>
+                                        <p:tgtEl>
+                                          <p:spTgt spid="3">
+                                            <p:txEl>
+                                              <p:pRg st="4" end="4"/>
+                                            </p:txEl>
+                                          </p:spTgt>
+                                        </p:tgtEl>
+                                        <p:attrNameLst>
+                                          <p:attrName>style.visibility</p:attrName>
+                                        </p:attrNameLst>
+                                      </p:cBhvr>
+                                      <p:to>
+                                        <p:strVal val="visible"/>
+                                      </p:to>
+                                    </p:set>
+                                  </p:childTnLst>
+                                </p:cTn>
+                              </p:par>
+                              <p:par>
+                                <p:cTn id="15" presetID="1" presetClass="entr" presetSubtype="0" fill="hold" grpId="0" nodeType="withEffect">
+                                  <p:stCondLst>
+                                    <p:cond delay="0"/>
+                                  </p:stCondLst>
+                                  <p:childTnLst>
+                                    <p:set>
+                                      <p:cBhvr>
+                                        <p:cTn id="16" dur="1" fill="hold">
+                                          <p:stCondLst>
+                                            <p:cond delay="0"/>
+                                          </p:stCondLst>
+                                        </p:cTn>
+                                        <p:tgtEl>
+                                          <p:spTgt spid="3">
+                                            <p:txEl>
+                                              <p:pRg st="5" end="5"/>
+                                            </p:txEl>
+                                          </p:spTgt>
+                                        </p:tgtEl>
+                                        <p:attrNameLst>
+                                          <p:attrName>style.visibility</p:attrName>
+                                        </p:attrNameLst>
+                                      </p:cBhvr>
+                                      <p:to>
+                                        <p:strVal val="visible"/>
+                                      </p:to>
+                                    </p:set>
+                                  </p:childTnLst>
+                                </p:cTn>
+                              </p:par>
+                            </p:childTnLst>
+                          </p:cTn>
+                        </p:par>
+                      </p:childTnLst>
+                    </p:cTn>
+                  </p:par>
+                  <p:par>
+                    <p:cTn id="17" fill="hold">
+                      <p:stCondLst>
+                        <p:cond delay="indefinite"/>
+                      </p:stCondLst>
+                      <p:childTnLst>
+                        <p:par>
+                          <p:cTn id="18" fill="hold">
+                            <p:stCondLst>
+                              <p:cond delay="0"/>
+                            </p:stCondLst>
+                            <p:childTnLst>
+                              <p:par>
+                                <p:cTn id="19" presetID="1" presetClass="entr" presetSubtype="0" fill="hold" grpId="0" nodeType="clickEffect">
+                                  <p:stCondLst>
+                                    <p:cond delay="0"/>
+                                  </p:stCondLst>
+                                  <p:childTnLst>
+                                    <p:set>
+                                      <p:cBhvr>
+                                        <p:cTn id="20" dur="1" fill="hold">
+                                          <p:stCondLst>
+                                            <p:cond delay="0"/>
+                                          </p:stCondLst>
+                                        </p:cTn>
+                                        <p:tgtEl>
+                                          <p:spTgt spid="3">
+                                            <p:txEl>
+                                              <p:pRg st="6" end="6"/>
+                                            </p:txEl>
+                                          </p:spTgt>
+                                        </p:tgtEl>
+                                        <p:attrNameLst>
+                                          <p:attrName>style.visibility</p:attrName>
+                                        </p:attrNameLst>
+                                      </p:cBhvr>
+                                      <p:to>
+                                        <p:strVal val="visible"/>
+                                      </p:to>
+                                    </p:set>
+                                  </p:childTnLst>
+                                </p:cTn>
+                              </p:par>
+                              <p:par>
+                                <p:cTn id="21" presetID="1" presetClass="entr" presetSubtype="0" fill="hold" grpId="0" nodeType="withEffect">
+                                  <p:stCondLst>
+                                    <p:cond delay="0"/>
+                                  </p:stCondLst>
+                                  <p:childTnLst>
+                                    <p:set>
+                                      <p:cBhvr>
+                                        <p:cTn id="22" dur="1" fill="hold">
+                                          <p:stCondLst>
+                                            <p:cond delay="0"/>
+                                          </p:stCondLst>
+                                        </p:cTn>
+                                        <p:tgtEl>
+                                          <p:spTgt spid="3">
+                                            <p:txEl>
+                                              <p:pRg st="7" end="7"/>
+                                            </p:txEl>
+                                          </p:spTgt>
+                                        </p:tgtEl>
+                                        <p:attrNameLst>
+                                          <p:attrName>style.visibility</p:attrName>
+                                        </p:attrNameLst>
+                                      </p:cBhvr>
+                                      <p:to>
+                                        <p:strVal val="visible"/>
+                                      </p:to>
+                                    </p:set>
+                                  </p:childTnLst>
+                                </p:cTn>
+                              </p:par>
+                              <p:par>
+                                <p:cTn id="23" presetID="1" presetClass="entr" presetSubtype="0" fill="hold" grpId="0" nodeType="withEffect">
+                                  <p:stCondLst>
+                                    <p:cond delay="0"/>
+                                  </p:stCondLst>
+                                  <p:childTnLst>
+                                    <p:set>
+                                      <p:cBhvr>
+                                        <p:cTn id="24" dur="1" fill="hold">
+                                          <p:stCondLst>
+                                            <p:cond delay="0"/>
+                                          </p:stCondLst>
+                                        </p:cTn>
+                                        <p:tgtEl>
+                                          <p:spTgt spid="3">
+                                            <p:txEl>
+                                              <p:pRg st="8" end="8"/>
+                                            </p:txEl>
+                                          </p:spTgt>
+                                        </p:tgtEl>
+                                        <p:attrNameLst>
+                                          <p:attrName>style.visibility</p:attrName>
+                                        </p:attrNameLst>
+                                      </p:cBhvr>
+                                      <p:to>
+                                        <p:strVal val="visible"/>
+                                      </p:to>
+                                    </p:set>
+                                  </p:childTnLst>
+                                </p:cTn>
+                              </p:par>
+                            </p:childTnLst>
+                          </p:cTn>
+                        </p:par>
+                      </p:childTnLst>
+                    </p:cTn>
+                  </p:par>
+                </p:childTnLst>
+              </p:cTn>
+              <p:prevCondLst>
+                <p:cond evt="onPrev" delay="0">
+                  <p:tgtEl>
+                    <p:sldTgt/>
+                  </p:tgtEl>
+                </p:cond>
+              </p:prevCondLst>
+              <p:nextCondLst>
+                <p:cond evt="onNext" delay="0">
+                  <p:tgtEl>
+                    <p:sldTgt/>
+                  </p:tgtEl>
+                </p:cond>
+              </p:nextCondLst>
+            </p:seq>
+          </p:childTnLst>
+        </p:cTn>
       </p:par>
     </p:tnLst>
+    <p:bldLst>
+      <p:bldP spid="3" grpId="0" build="p"/>
+    </p:bldLst>
   </p:timing>
 </p:sld>
 </file>

--- a/1_24_18_slides.pptx
+++ b/1_24_18_slides.pptx
@@ -3508,7 +3508,9 @@
         </p:nvSpPr>
         <p:spPr/>
         <p:txBody>
-          <a:bodyPr/>
+          <a:bodyPr>
+            <a:normAutofit fontScale="92500"/>
+          </a:bodyPr>
           <a:lstStyle/>
           <a:p>
             <a:r>
@@ -3567,8 +3569,29 @@
           <a:p>
             <a:r>
               <a:rPr lang="en-US" dirty="0" smtClean="0"/>
+              <a:t>Add bibliography: </a:t>
+            </a:r>
+            <a:r>
+              <a:rPr lang="en-US" dirty="0" err="1" smtClean="0"/>
+              <a:t>references.bib</a:t>
+            </a:r>
+            <a:r>
+              <a:rPr lang="en-US" dirty="0" smtClean="0"/>
+              <a:t> to header</a:t>
+            </a:r>
+          </a:p>
+          <a:p>
+            <a:r>
+              <a:rPr lang="en-US" dirty="0" smtClean="0"/>
               <a:t>Reference in the text using [@paper]</a:t>
             </a:r>
+          </a:p>
+          <a:p>
+            <a:r>
+              <a:rPr lang="en-US" smtClean="0"/>
+              <a:t>Knit!</a:t>
+            </a:r>
+            <a:endParaRPr lang="en-US" dirty="0" smtClean="0"/>
           </a:p>
           <a:p>
             <a:endParaRPr lang="en-US" dirty="0" smtClean="0"/>
